--- a/Prezentacie/7. While cyklus.pptx
+++ b/Prezentacie/7. While cyklus.pptx
@@ -4255,7 +4255,7 @@
             </a:fld>
             <a:r>
               <a:rPr lang="sk-SK" sz="1600" dirty="0"/>
-              <a:t> /14</a:t>
+              <a:t> / 14</a:t>
             </a:r>
             <a:endParaRPr lang="en-US" sz="1600" dirty="0"/>
           </a:p>
@@ -4498,7 +4498,7 @@
               <a:buNone/>
             </a:pPr>
             <a:r>
-              <a:rPr lang="en-US" dirty="0">
+              <a:rPr lang="en-US" b="1" dirty="0">
                 <a:solidFill>
                   <a:srgbClr val="0070C0"/>
                 </a:solidFill>
@@ -4512,7 +4512,7 @@
               <a:buNone/>
             </a:pPr>
             <a:r>
-              <a:rPr lang="en-US" dirty="0">
+              <a:rPr lang="en-US" b="1" dirty="0">
                 <a:solidFill>
                   <a:srgbClr val="0070C0"/>
                 </a:solidFill>
@@ -4526,7 +4526,7 @@
               <a:buNone/>
             </a:pPr>
             <a:r>
-              <a:rPr lang="en-US" dirty="0">
+              <a:rPr lang="en-US" b="1" dirty="0">
                 <a:solidFill>
                   <a:srgbClr val="0070C0"/>
                 </a:solidFill>
@@ -5036,7 +5036,7 @@
             </a:fld>
             <a:r>
               <a:rPr lang="sk-SK" sz="1600" dirty="0"/>
-              <a:t> /14</a:t>
+              <a:t> / 14</a:t>
             </a:r>
             <a:endParaRPr lang="en-US" sz="1600" dirty="0"/>
           </a:p>
@@ -5279,7 +5279,7 @@
               <a:buNone/>
             </a:pPr>
             <a:r>
-              <a:rPr lang="en-US" dirty="0">
+              <a:rPr lang="en-US" b="1" dirty="0">
                 <a:solidFill>
                   <a:srgbClr val="0070C0"/>
                 </a:solidFill>
@@ -5293,7 +5293,7 @@
               <a:buNone/>
             </a:pPr>
             <a:r>
-              <a:rPr lang="en-US" dirty="0">
+              <a:rPr lang="en-US" b="1" dirty="0">
                 <a:solidFill>
                   <a:srgbClr val="0070C0"/>
                 </a:solidFill>
@@ -5307,7 +5307,7 @@
               <a:buNone/>
             </a:pPr>
             <a:r>
-              <a:rPr lang="en-US" dirty="0">
+              <a:rPr lang="en-US" b="1" dirty="0">
                 <a:solidFill>
                   <a:srgbClr val="0070C0"/>
                 </a:solidFill>
@@ -5321,7 +5321,7 @@
               <a:buNone/>
             </a:pPr>
             <a:r>
-              <a:rPr lang="en-US" dirty="0">
+              <a:rPr lang="en-US" b="1" dirty="0">
                 <a:solidFill>
                   <a:srgbClr val="0070C0"/>
                 </a:solidFill>
@@ -5335,7 +5335,7 @@
               <a:buNone/>
             </a:pPr>
             <a:r>
-              <a:rPr lang="en-US" dirty="0">
+              <a:rPr lang="en-US" b="1" dirty="0">
                 <a:solidFill>
                   <a:srgbClr val="0070C0"/>
                 </a:solidFill>
@@ -5349,7 +5349,7 @@
               <a:buNone/>
             </a:pPr>
             <a:r>
-              <a:rPr lang="en-US" dirty="0">
+              <a:rPr lang="en-US" b="1" dirty="0">
                 <a:solidFill>
                   <a:srgbClr val="0070C0"/>
                 </a:solidFill>
@@ -5477,7 +5477,7 @@
         </p:nvSpPr>
         <p:spPr>
           <a:xfrm>
-            <a:off x="838200" y="2430779"/>
+            <a:off x="838200" y="1932939"/>
             <a:ext cx="10515600" cy="881381"/>
           </a:xfrm>
           <a:solidFill>
@@ -5808,7 +5808,7 @@
             </a:fld>
             <a:r>
               <a:rPr lang="sk-SK" sz="1600" dirty="0"/>
-              <a:t> /14</a:t>
+              <a:t> / 14</a:t>
             </a:r>
             <a:endParaRPr lang="en-US" sz="1600" dirty="0"/>
           </a:p>
@@ -5830,8 +5830,8 @@
         </p:nvSpPr>
         <p:spPr>
           <a:xfrm>
-            <a:off x="838200" y="3647441"/>
-            <a:ext cx="10515600" cy="2357120"/>
+            <a:off x="838200" y="3159760"/>
+            <a:ext cx="10515600" cy="2844801"/>
           </a:xfrm>
           <a:prstGeom prst="rect">
             <a:avLst/>
@@ -5879,7 +5879,7 @@
         </p:style>
         <p:txBody>
           <a:bodyPr vert="horz" lIns="91440" tIns="45720" rIns="91440" bIns="45720" rtlCol="0">
-            <a:normAutofit fontScale="62500" lnSpcReduction="20000"/>
+            <a:normAutofit fontScale="85000" lnSpcReduction="20000"/>
           </a:bodyPr>
           <a:lstStyle>
             <a:lvl1pPr marL="228600" indent="-228600" algn="l" defTabSz="914400" rtl="0" eaLnBrk="1" latinLnBrk="0" hangingPunct="1">
@@ -6051,7 +6051,7 @@
               <a:buNone/>
             </a:pPr>
             <a:r>
-              <a:rPr lang="en-US" dirty="0">
+              <a:rPr lang="en-US" b="1" dirty="0">
                 <a:solidFill>
                   <a:srgbClr val="0070C0"/>
                 </a:solidFill>
@@ -6065,7 +6065,7 @@
               <a:buNone/>
             </a:pPr>
             <a:r>
-              <a:rPr lang="en-US" dirty="0">
+              <a:rPr lang="en-US" b="1" dirty="0">
                 <a:solidFill>
                   <a:srgbClr val="0070C0"/>
                 </a:solidFill>
@@ -6079,7 +6079,7 @@
               <a:buNone/>
             </a:pPr>
             <a:r>
-              <a:rPr lang="en-US" dirty="0">
+              <a:rPr lang="en-US" b="1" dirty="0">
                 <a:solidFill>
                   <a:srgbClr val="0070C0"/>
                 </a:solidFill>
@@ -6093,7 +6093,7 @@
               <a:buNone/>
             </a:pPr>
             <a:r>
-              <a:rPr lang="en-US" dirty="0">
+              <a:rPr lang="en-US" b="1" dirty="0">
                 <a:solidFill>
                   <a:srgbClr val="0070C0"/>
                 </a:solidFill>
@@ -6107,7 +6107,7 @@
               <a:buNone/>
             </a:pPr>
             <a:r>
-              <a:rPr lang="en-US" dirty="0">
+              <a:rPr lang="en-US" b="1" dirty="0">
                 <a:solidFill>
                   <a:srgbClr val="0070C0"/>
                 </a:solidFill>
@@ -6121,7 +6121,7 @@
               <a:buNone/>
             </a:pPr>
             <a:r>
-              <a:rPr lang="en-US" dirty="0">
+              <a:rPr lang="en-US" b="1" dirty="0">
                 <a:solidFill>
                   <a:srgbClr val="0070C0"/>
                 </a:solidFill>
@@ -6135,7 +6135,7 @@
               <a:buNone/>
             </a:pPr>
             <a:r>
-              <a:rPr lang="en-US" dirty="0">
+              <a:rPr lang="en-US" b="1" dirty="0">
                 <a:solidFill>
                   <a:srgbClr val="0070C0"/>
                 </a:solidFill>
@@ -6309,7 +6309,7 @@
             </a:fld>
             <a:r>
               <a:rPr lang="sk-SK" sz="1600" dirty="0"/>
-              <a:t> /14</a:t>
+              <a:t> / 14</a:t>
             </a:r>
             <a:endParaRPr lang="en-US" sz="1600" dirty="0"/>
           </a:p>
@@ -6479,7 +6479,7 @@
             </a:fld>
             <a:r>
               <a:rPr lang="sk-SK" sz="1600" dirty="0"/>
-              <a:t> /14</a:t>
+              <a:t> / 14</a:t>
             </a:r>
           </a:p>
         </p:txBody>
@@ -7689,7 +7689,7 @@
             </a:fld>
             <a:r>
               <a:rPr lang="sk-SK" sz="1600" dirty="0"/>
-              <a:t>/14</a:t>
+              <a:t> / 14</a:t>
             </a:r>
             <a:endParaRPr lang="en-US" sz="1600" dirty="0"/>
           </a:p>
@@ -8679,7 +8679,7 @@
             </a:fld>
             <a:r>
               <a:rPr lang="sk-SK" sz="1600" dirty="0"/>
-              <a:t>/14</a:t>
+              <a:t> / 14</a:t>
             </a:r>
             <a:endParaRPr lang="en-US" sz="1600" dirty="0"/>
           </a:p>
@@ -8924,7 +8924,7 @@
             </a:fld>
             <a:r>
               <a:rPr lang="sk-SK" sz="1600" dirty="0"/>
-              <a:t> /14</a:t>
+              <a:t> / 14</a:t>
             </a:r>
             <a:endParaRPr lang="en-US" sz="1600" dirty="0"/>
           </a:p>
@@ -9189,7 +9189,7 @@
               <a:buNone/>
             </a:pPr>
             <a:r>
-              <a:rPr lang="en-US" dirty="0">
+              <a:rPr lang="en-US" b="1" dirty="0">
                 <a:solidFill>
                   <a:srgbClr val="0070C0"/>
                 </a:solidFill>
@@ -9197,7 +9197,7 @@
               <a:t>while </a:t>
             </a:r>
             <a:r>
-              <a:rPr lang="en-US" dirty="0" err="1">
+              <a:rPr lang="en-US" b="1" dirty="0" err="1">
                 <a:solidFill>
                   <a:srgbClr val="0070C0"/>
                 </a:solidFill>
@@ -9205,7 +9205,7 @@
               <a:t>podmienka</a:t>
             </a:r>
             <a:r>
-              <a:rPr lang="en-US" dirty="0">
+              <a:rPr lang="en-US" b="1" dirty="0">
                 <a:solidFill>
                   <a:srgbClr val="0070C0"/>
                 </a:solidFill>
@@ -9218,7 +9218,7 @@
               <a:buNone/>
             </a:pPr>
             <a:r>
-              <a:rPr lang="en-US" dirty="0">
+              <a:rPr lang="en-US" b="1" dirty="0">
                 <a:solidFill>
                   <a:srgbClr val="0070C0"/>
                 </a:solidFill>
@@ -9226,7 +9226,7 @@
               <a:t>    </a:t>
             </a:r>
             <a:r>
-              <a:rPr lang="en-US" dirty="0" err="1">
+              <a:rPr lang="en-US" b="1" dirty="0" err="1">
                 <a:solidFill>
                   <a:srgbClr val="0070C0"/>
                 </a:solidFill>
@@ -9234,7 +9234,7 @@
               <a:t>telo</a:t>
             </a:r>
             <a:r>
-              <a:rPr lang="en-US" dirty="0">
+              <a:rPr lang="en-US" b="1" dirty="0">
                 <a:solidFill>
                   <a:srgbClr val="0070C0"/>
                 </a:solidFill>
@@ -9242,14 +9242,14 @@
               <a:t> </a:t>
             </a:r>
             <a:r>
-              <a:rPr lang="en-US" dirty="0" err="1">
+              <a:rPr lang="en-US" b="1" dirty="0" err="1">
                 <a:solidFill>
                   <a:srgbClr val="0070C0"/>
                 </a:solidFill>
               </a:rPr>
               <a:t>cyklu</a:t>
             </a:r>
-            <a:endParaRPr lang="en-US" dirty="0">
+            <a:endParaRPr lang="en-US" b="1" dirty="0">
               <a:solidFill>
                 <a:srgbClr val="0070C0"/>
               </a:solidFill>
@@ -9894,7 +9894,7 @@
             </a:fld>
             <a:r>
               <a:rPr lang="sk-SK" sz="1600" dirty="0"/>
-              <a:t> /14</a:t>
+              <a:t> / 14</a:t>
             </a:r>
             <a:endParaRPr lang="en-US" sz="1600" dirty="0"/>
           </a:p>
@@ -10907,7 +10907,7 @@
             </a:fld>
             <a:r>
               <a:rPr lang="sk-SK" sz="1600" dirty="0"/>
-              <a:t> /14</a:t>
+              <a:t> / 14</a:t>
             </a:r>
             <a:endParaRPr lang="en-US" sz="1600" dirty="0"/>
           </a:p>
@@ -11083,7 +11083,7 @@
               <a:buNone/>
             </a:pPr>
             <a:r>
-              <a:rPr lang="en-US" dirty="0">
+              <a:rPr lang="en-US" b="1" dirty="0">
                 <a:solidFill>
                   <a:srgbClr val="0070C0"/>
                 </a:solidFill>
@@ -11096,7 +11096,7 @@
               <a:buNone/>
             </a:pPr>
             <a:r>
-              <a:rPr lang="en-US" dirty="0">
+              <a:rPr lang="en-US" b="1" dirty="0">
                 <a:solidFill>
                   <a:srgbClr val="0070C0"/>
                 </a:solidFill>
@@ -11109,7 +11109,7 @@
               <a:buNone/>
             </a:pPr>
             <a:r>
-              <a:rPr lang="en-US" dirty="0">
+              <a:rPr lang="en-US" b="1" dirty="0">
                 <a:solidFill>
                   <a:srgbClr val="0070C0"/>
                 </a:solidFill>
@@ -11122,7 +11122,7 @@
               <a:buNone/>
             </a:pPr>
             <a:r>
-              <a:rPr lang="en-US" dirty="0">
+              <a:rPr lang="en-US" b="1" dirty="0">
                 <a:solidFill>
                   <a:srgbClr val="0070C0"/>
                 </a:solidFill>
@@ -11188,7 +11188,7 @@
             </a:fld>
             <a:r>
               <a:rPr lang="sk-SK" sz="1600" dirty="0"/>
-              <a:t> /14</a:t>
+              <a:t> / 14</a:t>
             </a:r>
             <a:endParaRPr lang="en-US" sz="1600" dirty="0"/>
           </a:p>
@@ -11358,7 +11358,7 @@
             </a:fld>
             <a:r>
               <a:rPr lang="sk-SK" sz="1600" dirty="0"/>
-              <a:t> /14</a:t>
+              <a:t> / 14</a:t>
             </a:r>
             <a:endParaRPr lang="en-US" sz="1600" dirty="0"/>
           </a:p>
@@ -11848,7 +11848,7 @@
             </a:fld>
             <a:r>
               <a:rPr lang="sk-SK" sz="1600" dirty="0"/>
-              <a:t> /14</a:t>
+              <a:t> / 14</a:t>
             </a:r>
             <a:endParaRPr lang="en-US" sz="1600" dirty="0"/>
           </a:p>
@@ -11871,7 +11871,7 @@
         <p:spPr>
           <a:xfrm>
             <a:off x="838200" y="3882705"/>
-            <a:ext cx="10515600" cy="1787210"/>
+            <a:ext cx="10515600" cy="1573215"/>
           </a:xfrm>
           <a:prstGeom prst="rect">
             <a:avLst/>
@@ -12091,7 +12091,7 @@
               <a:buNone/>
             </a:pPr>
             <a:r>
-              <a:rPr lang="en-US" dirty="0">
+              <a:rPr lang="en-US" b="1" dirty="0">
                 <a:solidFill>
                   <a:srgbClr val="0070C0"/>
                 </a:solidFill>
@@ -12105,7 +12105,7 @@
               <a:buNone/>
             </a:pPr>
             <a:r>
-              <a:rPr lang="en-US" dirty="0">
+              <a:rPr lang="en-US" b="1" dirty="0">
                 <a:solidFill>
                   <a:srgbClr val="0070C0"/>
                 </a:solidFill>
@@ -12119,7 +12119,7 @@
               <a:buNone/>
             </a:pPr>
             <a:r>
-              <a:rPr lang="en-US" dirty="0">
+              <a:rPr lang="en-US" b="1" dirty="0">
                 <a:solidFill>
                   <a:srgbClr val="0070C0"/>
                 </a:solidFill>
